--- a/Derivados y DeFi/binance.pptx
+++ b/Derivados y DeFi/binance.pptx
@@ -115,7 +115,49 @@
       </a:defRPr>
     </a:lvl9pPr>
   </p:defaultTextStyle>
+  <p:extLst>
+    <p:ext uri="{EFAFB233-063F-42B5-8137-9DF3F51BA10A}">
+      <p15:sldGuideLst xmlns:p15="http://schemas.microsoft.com/office/powerpoint/2012/main"/>
+    </p:ext>
+  </p:extLst>
 </p:presentation>
+</file>
+
+<file path=ppt/revisionInfo.xml><?xml version="1.0" encoding="utf-8"?>
+<p1510:revInfo xmlns:a="http://schemas.openxmlformats.org/drawingml/2006/main" xmlns:r="http://schemas.openxmlformats.org/officeDocument/2006/relationships" xmlns:p1510="http://schemas.microsoft.com/office/powerpoint/2015/10/main">
+  <p1510:revLst>
+    <p1510:client id="{2DBA982B-8D74-4154-9199-AC90F83155C2}" v="2" dt="2021-11-02T22:41:26.751"/>
+  </p1510:revLst>
+</p1510:revInfo>
+</file>
+
+<file path=ppt/changesInfos/changesInfo1.xml><?xml version="1.0" encoding="utf-8"?>
+<pc:chgInfo xmlns:a="http://schemas.openxmlformats.org/drawingml/2006/main" xmlns:r="http://schemas.openxmlformats.org/officeDocument/2006/relationships" xmlns:ac="http://schemas.microsoft.com/office/drawing/2013/main/command" xmlns:pc="http://schemas.microsoft.com/office/powerpoint/2013/main/command">
+  <pc:docChgLst>
+    <pc:chgData name="MENDOZA GOMEZ, ERICK DAVID" userId="e429d224-cce7-4244-95c6-9a677dbdf54c" providerId="ADAL" clId="{2DBA982B-8D74-4154-9199-AC90F83155C2}"/>
+    <pc:docChg chg="modSld">
+      <pc:chgData name="MENDOZA GOMEZ, ERICK DAVID" userId="e429d224-cce7-4244-95c6-9a677dbdf54c" providerId="ADAL" clId="{2DBA982B-8D74-4154-9199-AC90F83155C2}" dt="2021-11-02T22:41:26.733" v="16" actId="20577"/>
+      <pc:docMkLst>
+        <pc:docMk/>
+      </pc:docMkLst>
+      <pc:sldChg chg="addSp modSp mod">
+        <pc:chgData name="MENDOZA GOMEZ, ERICK DAVID" userId="e429d224-cce7-4244-95c6-9a677dbdf54c" providerId="ADAL" clId="{2DBA982B-8D74-4154-9199-AC90F83155C2}" dt="2021-11-02T22:41:26.733" v="16" actId="20577"/>
+        <pc:sldMkLst>
+          <pc:docMk/>
+          <pc:sldMk cId="172218981" sldId="265"/>
+        </pc:sldMkLst>
+        <pc:spChg chg="add mod">
+          <ac:chgData name="MENDOZA GOMEZ, ERICK DAVID" userId="e429d224-cce7-4244-95c6-9a677dbdf54c" providerId="ADAL" clId="{2DBA982B-8D74-4154-9199-AC90F83155C2}" dt="2021-11-02T22:41:26.733" v="16" actId="20577"/>
+          <ac:spMkLst>
+            <pc:docMk/>
+            <pc:sldMk cId="172218981" sldId="265"/>
+            <ac:spMk id="3" creationId="{B150AD86-43E5-486E-9839-C17647D4F6AC}"/>
+          </ac:spMkLst>
+        </pc:spChg>
+      </pc:sldChg>
+    </pc:docChg>
+  </pc:docChgLst>
+</pc:chgInfo>
 </file>
 
 <file path=ppt/slideLayouts/slideLayout1.xml><?xml version="1.0" encoding="utf-8"?>
@@ -3026,6 +3068,51 @@
           </a:p>
         </p:txBody>
       </p:sp>
+      <p:sp>
+        <p:nvSpPr>
+          <p:cNvPr id="3" name="CuadroTexto 2">
+            <a:extLst>
+              <a:ext uri="{FF2B5EF4-FFF2-40B4-BE49-F238E27FC236}">
+                <a16:creationId xmlns:a16="http://schemas.microsoft.com/office/drawing/2014/main" id="{B150AD86-43E5-486E-9839-C17647D4F6AC}"/>
+              </a:ext>
+            </a:extLst>
+          </p:cNvPr>
+          <p:cNvSpPr txBox="1"/>
+          <p:nvPr/>
+        </p:nvSpPr>
+        <p:spPr>
+          <a:xfrm>
+            <a:off x="755374" y="6281530"/>
+            <a:ext cx="10893287" cy="646331"/>
+          </a:xfrm>
+          <a:prstGeom prst="rect">
+            <a:avLst/>
+          </a:prstGeom>
+          <a:noFill/>
+        </p:spPr>
+        <p:txBody>
+          <a:bodyPr wrap="square" rtlCol="0">
+            <a:spAutoFit/>
+          </a:bodyPr>
+          <a:lstStyle/>
+          <a:p>
+            <a:r>
+              <a:rPr lang="es-MX" dirty="0"/>
+              <a:t>Referencia: </a:t>
+            </a:r>
+            <a:r>
+              <a:rPr lang="es-MX" dirty="0">
+                <a:hlinkClick r:id="rId2"/>
+              </a:rPr>
+              <a:t>https://www.binance.com/es/futures</a:t>
+            </a:r>
+            <a:endParaRPr lang="es-MX" dirty="0"/>
+          </a:p>
+          <a:p>
+            <a:endParaRPr lang="es-MX" dirty="0"/>
+          </a:p>
+        </p:txBody>
+      </p:sp>
     </p:spTree>
     <p:extLst>
       <p:ext uri="{BB962C8B-B14F-4D97-AF65-F5344CB8AC3E}">
@@ -3036,13 +3123,13 @@
   <p:clrMapOvr>
     <a:masterClrMapping/>
   </p:clrMapOvr>
-  <mc:AlternateContent xmlns:mc="http://schemas.openxmlformats.org/markup-compatibility/2006">
-    <mc:Choice xmlns:p159="http://schemas.microsoft.com/office/powerpoint/2015/09/main" Requires="p159">
+  <mc:AlternateContent xmlns:mc="http://schemas.openxmlformats.org/markup-compatibility/2006" xmlns:p159="http://schemas.microsoft.com/office/powerpoint/2015/09/main">
+    <mc:Choice Requires="p159">
       <p:transition xmlns:p14="http://schemas.microsoft.com/office/powerpoint/2010/main" spd="slow" p14:dur="2000">
         <p159:morph option="byObject"/>
       </p:transition>
     </mc:Choice>
-    <mc:Fallback>
+    <mc:Fallback xmlns="">
       <p:transition spd="slow">
         <p:fade/>
       </p:transition>
@@ -4421,13 +4508,13 @@
   <p:clrMapOvr>
     <a:masterClrMapping/>
   </p:clrMapOvr>
-  <mc:AlternateContent xmlns:mc="http://schemas.openxmlformats.org/markup-compatibility/2006">
-    <mc:Choice xmlns:p159="http://schemas.microsoft.com/office/powerpoint/2015/09/main" Requires="p159">
+  <mc:AlternateContent xmlns:mc="http://schemas.openxmlformats.org/markup-compatibility/2006" xmlns:p159="http://schemas.microsoft.com/office/powerpoint/2015/09/main">
+    <mc:Choice Requires="p159">
       <p:transition xmlns:p14="http://schemas.microsoft.com/office/powerpoint/2010/main" spd="slow" p14:dur="2000">
         <p159:morph option="byObject"/>
       </p:transition>
     </mc:Choice>
-    <mc:Fallback>
+    <mc:Fallback xmlns="">
       <p:transition spd="slow">
         <p:fade/>
       </p:transition>
@@ -5785,13 +5872,13 @@
   <p:clrMapOvr>
     <a:masterClrMapping/>
   </p:clrMapOvr>
-  <mc:AlternateContent xmlns:mc="http://schemas.openxmlformats.org/markup-compatibility/2006">
-    <mc:Choice xmlns:p159="http://schemas.microsoft.com/office/powerpoint/2015/09/main" Requires="p159">
+  <mc:AlternateContent xmlns:mc="http://schemas.openxmlformats.org/markup-compatibility/2006" xmlns:p159="http://schemas.microsoft.com/office/powerpoint/2015/09/main">
+    <mc:Choice Requires="p159">
       <p:transition xmlns:p14="http://schemas.microsoft.com/office/powerpoint/2010/main" spd="slow" p14:dur="2000">
         <p159:morph option="byObject"/>
       </p:transition>
     </mc:Choice>
-    <mc:Fallback>
+    <mc:Fallback xmlns="">
       <p:transition spd="slow">
         <p:fade/>
       </p:transition>
@@ -7145,13 +7232,13 @@
   <p:clrMapOvr>
     <a:masterClrMapping/>
   </p:clrMapOvr>
-  <mc:AlternateContent xmlns:mc="http://schemas.openxmlformats.org/markup-compatibility/2006">
-    <mc:Choice xmlns:p159="http://schemas.microsoft.com/office/powerpoint/2015/09/main" Requires="p159">
+  <mc:AlternateContent xmlns:mc="http://schemas.openxmlformats.org/markup-compatibility/2006" xmlns:p159="http://schemas.microsoft.com/office/powerpoint/2015/09/main">
+    <mc:Choice Requires="p159">
       <p:transition xmlns:p14="http://schemas.microsoft.com/office/powerpoint/2010/main" spd="slow" p14:dur="2000">
         <p159:morph option="byObject"/>
       </p:transition>
     </mc:Choice>
-    <mc:Fallback>
+    <mc:Fallback xmlns="">
       <p:transition spd="slow">
         <p:fade/>
       </p:transition>
@@ -8466,13 +8553,13 @@
   <p:clrMapOvr>
     <a:masterClrMapping/>
   </p:clrMapOvr>
-  <mc:AlternateContent xmlns:mc="http://schemas.openxmlformats.org/markup-compatibility/2006">
-    <mc:Choice xmlns:p159="http://schemas.microsoft.com/office/powerpoint/2015/09/main" Requires="p159">
+  <mc:AlternateContent xmlns:mc="http://schemas.openxmlformats.org/markup-compatibility/2006" xmlns:p159="http://schemas.microsoft.com/office/powerpoint/2015/09/main">
+    <mc:Choice Requires="p159">
       <p:transition xmlns:p14="http://schemas.microsoft.com/office/powerpoint/2010/main" spd="slow" p14:dur="2000">
         <p159:morph option="byObject"/>
       </p:transition>
     </mc:Choice>
-    <mc:Fallback>
+    <mc:Fallback xmlns="">
       <p:transition spd="slow">
         <p:fade/>
       </p:transition>
@@ -9913,13 +10000,13 @@
   <p:clrMapOvr>
     <a:masterClrMapping/>
   </p:clrMapOvr>
-  <mc:AlternateContent xmlns:mc="http://schemas.openxmlformats.org/markup-compatibility/2006">
-    <mc:Choice xmlns:p159="http://schemas.microsoft.com/office/powerpoint/2015/09/main" Requires="p159">
+  <mc:AlternateContent xmlns:mc="http://schemas.openxmlformats.org/markup-compatibility/2006" xmlns:p159="http://schemas.microsoft.com/office/powerpoint/2015/09/main">
+    <mc:Choice Requires="p159">
       <p:transition xmlns:p14="http://schemas.microsoft.com/office/powerpoint/2010/main" spd="slow" p14:dur="2000">
         <p159:morph option="byObject"/>
       </p:transition>
     </mc:Choice>
-    <mc:Fallback>
+    <mc:Fallback xmlns="">
       <p:transition spd="slow">
         <p:fade/>
       </p:transition>
@@ -11240,13 +11327,13 @@
   <p:clrMapOvr>
     <a:masterClrMapping/>
   </p:clrMapOvr>
-  <mc:AlternateContent xmlns:mc="http://schemas.openxmlformats.org/markup-compatibility/2006">
-    <mc:Choice xmlns:p159="http://schemas.microsoft.com/office/powerpoint/2015/09/main" Requires="p159">
+  <mc:AlternateContent xmlns:mc="http://schemas.openxmlformats.org/markup-compatibility/2006" xmlns:p159="http://schemas.microsoft.com/office/powerpoint/2015/09/main">
+    <mc:Choice Requires="p159">
       <p:transition xmlns:p14="http://schemas.microsoft.com/office/powerpoint/2010/main" spd="slow" p14:dur="2000">
         <p159:morph option="byObject"/>
       </p:transition>
     </mc:Choice>
-    <mc:Fallback>
+    <mc:Fallback xmlns="">
       <p:transition spd="slow">
         <p:fade/>
       </p:transition>
@@ -12600,13 +12687,13 @@
   <p:clrMapOvr>
     <a:masterClrMapping/>
   </p:clrMapOvr>
-  <mc:AlternateContent xmlns:mc="http://schemas.openxmlformats.org/markup-compatibility/2006">
-    <mc:Choice xmlns:p159="http://schemas.microsoft.com/office/powerpoint/2015/09/main" Requires="p159">
+  <mc:AlternateContent xmlns:mc="http://schemas.openxmlformats.org/markup-compatibility/2006" xmlns:p159="http://schemas.microsoft.com/office/powerpoint/2015/09/main">
+    <mc:Choice Requires="p159">
       <p:transition xmlns:p14="http://schemas.microsoft.com/office/powerpoint/2010/main" spd="slow" p14:dur="2000">
         <p159:morph option="byObject"/>
       </p:transition>
     </mc:Choice>
-    <mc:Fallback>
+    <mc:Fallback xmlns="">
       <p:transition spd="slow">
         <p:fade/>
       </p:transition>
@@ -13995,13 +14082,13 @@
   <p:clrMapOvr>
     <a:masterClrMapping/>
   </p:clrMapOvr>
-  <mc:AlternateContent xmlns:mc="http://schemas.openxmlformats.org/markup-compatibility/2006">
-    <mc:Choice xmlns:p159="http://schemas.microsoft.com/office/powerpoint/2015/09/main" Requires="p159">
+  <mc:AlternateContent xmlns:mc="http://schemas.openxmlformats.org/markup-compatibility/2006" xmlns:p159="http://schemas.microsoft.com/office/powerpoint/2015/09/main">
+    <mc:Choice Requires="p159">
       <p:transition xmlns:p14="http://schemas.microsoft.com/office/powerpoint/2010/main" spd="slow" p14:dur="2000">
         <p159:morph option="byObject"/>
       </p:transition>
     </mc:Choice>
-    <mc:Fallback>
+    <mc:Fallback xmlns="">
       <p:transition spd="slow">
         <p:fade/>
       </p:transition>
@@ -15352,13 +15439,13 @@
   <p:clrMapOvr>
     <a:masterClrMapping/>
   </p:clrMapOvr>
-  <mc:AlternateContent xmlns:mc="http://schemas.openxmlformats.org/markup-compatibility/2006">
-    <mc:Choice xmlns:p159="http://schemas.microsoft.com/office/powerpoint/2015/09/main" Requires="p159">
+  <mc:AlternateContent xmlns:mc="http://schemas.openxmlformats.org/markup-compatibility/2006" xmlns:p159="http://schemas.microsoft.com/office/powerpoint/2015/09/main">
+    <mc:Choice Requires="p159">
       <p:transition xmlns:p14="http://schemas.microsoft.com/office/powerpoint/2010/main" spd="slow" p14:dur="2000">
         <p159:morph option="byObject"/>
       </p:transition>
     </mc:Choice>
-    <mc:Fallback>
+    <mc:Fallback xmlns="">
       <p:transition spd="slow">
         <p:fade/>
       </p:transition>
@@ -17195,13 +17282,13 @@
   <p:clrMapOvr>
     <a:masterClrMapping/>
   </p:clrMapOvr>
-  <mc:AlternateContent xmlns:mc="http://schemas.openxmlformats.org/markup-compatibility/2006">
-    <mc:Choice xmlns:p159="http://schemas.microsoft.com/office/powerpoint/2015/09/main" Requires="p159">
+  <mc:AlternateContent xmlns:mc="http://schemas.openxmlformats.org/markup-compatibility/2006" xmlns:p159="http://schemas.microsoft.com/office/powerpoint/2015/09/main">
+    <mc:Choice Requires="p159">
       <p:transition xmlns:p14="http://schemas.microsoft.com/office/powerpoint/2010/main" spd="slow" p14:dur="2000">
         <p159:morph option="byObject"/>
       </p:transition>
     </mc:Choice>
-    <mc:Fallback>
+    <mc:Fallback xmlns="">
       <p:transition spd="slow">
         <p:fade/>
       </p:transition>
@@ -17284,13 +17371,13 @@
   <p:clrMapOvr>
     <a:masterClrMapping/>
   </p:clrMapOvr>
-  <mc:AlternateContent xmlns:mc="http://schemas.openxmlformats.org/markup-compatibility/2006">
-    <mc:Choice xmlns:p159="http://schemas.microsoft.com/office/powerpoint/2015/09/main" Requires="p159">
+  <mc:AlternateContent xmlns:mc="http://schemas.openxmlformats.org/markup-compatibility/2006" xmlns:p159="http://schemas.microsoft.com/office/powerpoint/2015/09/main">
+    <mc:Choice Requires="p159">
       <p:transition xmlns:p14="http://schemas.microsoft.com/office/powerpoint/2010/main" spd="slow" p14:dur="2000">
         <p159:morph option="byObject"/>
       </p:transition>
     </mc:Choice>
-    <mc:Fallback>
+    <mc:Fallback xmlns="">
       <p:transition spd="slow">
         <p:fade/>
       </p:transition>
